--- a/figures/summary/main.pptx
+++ b/figures/summary/main.pptx
@@ -809,7 +809,7 @@
           <a:p>
             <a:fld id="{C764DE79-268F-4C1A-8933-263129D2AF90}" type="datetimeFigureOut">
               <a:rPr lang="en-US" smtClean="0"/>
-              <a:t>12/16/2023</a:t>
+              <a:t>10/3/2024</a:t>
             </a:fld>
             <a:endParaRPr lang="en-US" dirty="0"/>
           </a:p>
@@ -975,7 +975,7 @@
           <a:p>
             <a:fld id="{C764DE79-268F-4C1A-8933-263129D2AF90}" type="datetimeFigureOut">
               <a:rPr lang="en-US" smtClean="0"/>
-              <a:t>12/16/2023</a:t>
+              <a:t>10/3/2024</a:t>
             </a:fld>
             <a:endParaRPr lang="en-US" dirty="0"/>
           </a:p>
@@ -1151,7 +1151,7 @@
           <a:p>
             <a:fld id="{C764DE79-268F-4C1A-8933-263129D2AF90}" type="datetimeFigureOut">
               <a:rPr lang="en-US" smtClean="0"/>
-              <a:t>12/16/2023</a:t>
+              <a:t>10/3/2024</a:t>
             </a:fld>
             <a:endParaRPr lang="en-US" dirty="0"/>
           </a:p>
@@ -1317,7 +1317,7 @@
           <a:p>
             <a:fld id="{C764DE79-268F-4C1A-8933-263129D2AF90}" type="datetimeFigureOut">
               <a:rPr lang="en-US" smtClean="0"/>
-              <a:t>12/16/2023</a:t>
+              <a:t>10/3/2024</a:t>
             </a:fld>
             <a:endParaRPr lang="en-US" dirty="0"/>
           </a:p>
@@ -1559,7 +1559,7 @@
           <a:p>
             <a:fld id="{C764DE79-268F-4C1A-8933-263129D2AF90}" type="datetimeFigureOut">
               <a:rPr lang="en-US" smtClean="0"/>
-              <a:t>12/16/2023</a:t>
+              <a:t>10/3/2024</a:t>
             </a:fld>
             <a:endParaRPr lang="en-US" dirty="0"/>
           </a:p>
@@ -1787,7 +1787,7 @@
           <a:p>
             <a:fld id="{C764DE79-268F-4C1A-8933-263129D2AF90}" type="datetimeFigureOut">
               <a:rPr lang="en-US" smtClean="0"/>
-              <a:t>12/16/2023</a:t>
+              <a:t>10/3/2024</a:t>
             </a:fld>
             <a:endParaRPr lang="en-US" dirty="0"/>
           </a:p>
@@ -2150,7 +2150,7 @@
           <a:p>
             <a:fld id="{C764DE79-268F-4C1A-8933-263129D2AF90}" type="datetimeFigureOut">
               <a:rPr lang="en-US" smtClean="0"/>
-              <a:t>12/16/2023</a:t>
+              <a:t>10/3/2024</a:t>
             </a:fld>
             <a:endParaRPr lang="en-US" dirty="0"/>
           </a:p>
@@ -2264,7 +2264,7 @@
           <a:p>
             <a:fld id="{C764DE79-268F-4C1A-8933-263129D2AF90}" type="datetimeFigureOut">
               <a:rPr lang="en-US" smtClean="0"/>
-              <a:t>12/16/2023</a:t>
+              <a:t>10/3/2024</a:t>
             </a:fld>
             <a:endParaRPr lang="en-US" dirty="0"/>
           </a:p>
@@ -2355,7 +2355,7 @@
           <a:p>
             <a:fld id="{C764DE79-268F-4C1A-8933-263129D2AF90}" type="datetimeFigureOut">
               <a:rPr lang="en-US" smtClean="0"/>
-              <a:t>12/16/2023</a:t>
+              <a:t>10/3/2024</a:t>
             </a:fld>
             <a:endParaRPr lang="en-US" dirty="0"/>
           </a:p>
@@ -2627,7 +2627,7 @@
           <a:p>
             <a:fld id="{C764DE79-268F-4C1A-8933-263129D2AF90}" type="datetimeFigureOut">
               <a:rPr lang="en-US" smtClean="0"/>
-              <a:t>12/16/2023</a:t>
+              <a:t>10/3/2024</a:t>
             </a:fld>
             <a:endParaRPr lang="en-US" dirty="0"/>
           </a:p>
@@ -2880,7 +2880,7 @@
           <a:p>
             <a:fld id="{C764DE79-268F-4C1A-8933-263129D2AF90}" type="datetimeFigureOut">
               <a:rPr lang="en-US" smtClean="0"/>
-              <a:t>12/16/2023</a:t>
+              <a:t>10/3/2024</a:t>
             </a:fld>
             <a:endParaRPr lang="en-US" dirty="0"/>
           </a:p>
@@ -3089,7 +3089,7 @@
           <a:p>
             <a:fld id="{C764DE79-268F-4C1A-8933-263129D2AF90}" type="datetimeFigureOut">
               <a:rPr lang="en-US" smtClean="0"/>
-              <a:t>12/16/2023</a:t>
+              <a:t>10/3/2024</a:t>
             </a:fld>
             <a:endParaRPr lang="en-US" dirty="0"/>
           </a:p>
@@ -4116,6 +4116,17 @@
               <a:buNone/>
             </a:pPr>
             <a:r>
+              <a:rPr lang="en-GB" sz="1600" b="1" kern="0" dirty="0" err="1">
+                <a:solidFill>
+                  <a:srgbClr val="000000"/>
+                </a:solidFill>
+                <a:latin typeface="Arial" panose="020B0604020202020204" pitchFamily="34" charset="0"/>
+                <a:cs typeface="Arial" panose="020B0604020202020204" pitchFamily="34" charset="0"/>
+                <a:sym typeface="Arial" panose="020B0604020202020204"/>
+              </a:rPr>
+              <a:t>AFTNet</a:t>
+            </a:r>
+            <a:r>
               <a:rPr lang="en-GB" sz="1600" b="1" kern="0" dirty="0">
                 <a:solidFill>
                   <a:srgbClr val="000000"/>
@@ -4124,7 +4135,7 @@
                 <a:cs typeface="Arial" panose="020B0604020202020204" pitchFamily="34" charset="0"/>
                 <a:sym typeface="Arial" panose="020B0604020202020204"/>
               </a:rPr>
-              <a:t>AFT-Net Reconstruction</a:t>
+              <a:t> Reconstruction</a:t>
             </a:r>
             <a:endParaRPr sz="1600" b="1" kern="0" dirty="0">
               <a:solidFill>
